--- a/study_note/td3.pptx
+++ b/study_note/td3.pptx
@@ -8,6 +8,7 @@
     <p:sldId id="256" r:id="rId2"/>
     <p:sldId id="257" r:id="rId3"/>
     <p:sldId id="258" r:id="rId4"/>
+    <p:sldId id="259" r:id="rId5"/>
   </p:sldIdLst>
   <p:sldSz cx="12192000" cy="6858000"/>
   <p:notesSz cx="6858000" cy="9144000"/>
@@ -106,6 +107,11 @@
       </a:defRPr>
     </a:lvl9pPr>
   </p:defaultTextStyle>
+  <p:extLst>
+    <p:ext uri="{EFAFB233-063F-42B5-8137-9DF3F51BA10A}">
+      <p15:sldGuideLst xmlns:p15="http://schemas.microsoft.com/office/powerpoint/2012/main"/>
+    </p:ext>
+  </p:extLst>
 </p:presentation>
 </file>
 
@@ -256,7 +262,7 @@
           <a:p>
             <a:fld id="{6AD12739-8967-4787-B4D5-370A8EAACB4A}" type="datetimeFigureOut">
               <a:rPr lang="zh-CN" altLang="en-US" smtClean="0"/>
-              <a:t>2025/11/22</a:t>
+              <a:t>Monday 11/24</a:t>
             </a:fld>
             <a:endParaRPr lang="zh-CN" altLang="en-US"/>
           </a:p>
@@ -454,7 +460,7 @@
           <a:p>
             <a:fld id="{6AD12739-8967-4787-B4D5-370A8EAACB4A}" type="datetimeFigureOut">
               <a:rPr lang="zh-CN" altLang="en-US" smtClean="0"/>
-              <a:t>2025/11/22</a:t>
+              <a:t>Monday 11/24</a:t>
             </a:fld>
             <a:endParaRPr lang="zh-CN" altLang="en-US"/>
           </a:p>
@@ -662,7 +668,7 @@
           <a:p>
             <a:fld id="{6AD12739-8967-4787-B4D5-370A8EAACB4A}" type="datetimeFigureOut">
               <a:rPr lang="zh-CN" altLang="en-US" smtClean="0"/>
-              <a:t>2025/11/22</a:t>
+              <a:t>Monday 11/24</a:t>
             </a:fld>
             <a:endParaRPr lang="zh-CN" altLang="en-US"/>
           </a:p>
@@ -860,7 +866,7 @@
           <a:p>
             <a:fld id="{6AD12739-8967-4787-B4D5-370A8EAACB4A}" type="datetimeFigureOut">
               <a:rPr lang="zh-CN" altLang="en-US" smtClean="0"/>
-              <a:t>2025/11/22</a:t>
+              <a:t>Monday 11/24</a:t>
             </a:fld>
             <a:endParaRPr lang="zh-CN" altLang="en-US"/>
           </a:p>
@@ -1135,7 +1141,7 @@
           <a:p>
             <a:fld id="{6AD12739-8967-4787-B4D5-370A8EAACB4A}" type="datetimeFigureOut">
               <a:rPr lang="zh-CN" altLang="en-US" smtClean="0"/>
-              <a:t>2025/11/22</a:t>
+              <a:t>Monday 11/24</a:t>
             </a:fld>
             <a:endParaRPr lang="zh-CN" altLang="en-US"/>
           </a:p>
@@ -1400,7 +1406,7 @@
           <a:p>
             <a:fld id="{6AD12739-8967-4787-B4D5-370A8EAACB4A}" type="datetimeFigureOut">
               <a:rPr lang="zh-CN" altLang="en-US" smtClean="0"/>
-              <a:t>2025/11/22</a:t>
+              <a:t>Monday 11/24</a:t>
             </a:fld>
             <a:endParaRPr lang="zh-CN" altLang="en-US"/>
           </a:p>
@@ -1812,7 +1818,7 @@
           <a:p>
             <a:fld id="{6AD12739-8967-4787-B4D5-370A8EAACB4A}" type="datetimeFigureOut">
               <a:rPr lang="zh-CN" altLang="en-US" smtClean="0"/>
-              <a:t>2025/11/22</a:t>
+              <a:t>Monday 11/24</a:t>
             </a:fld>
             <a:endParaRPr lang="zh-CN" altLang="en-US"/>
           </a:p>
@@ -1953,7 +1959,7 @@
           <a:p>
             <a:fld id="{6AD12739-8967-4787-B4D5-370A8EAACB4A}" type="datetimeFigureOut">
               <a:rPr lang="zh-CN" altLang="en-US" smtClean="0"/>
-              <a:t>2025/11/22</a:t>
+              <a:t>Monday 11/24</a:t>
             </a:fld>
             <a:endParaRPr lang="zh-CN" altLang="en-US"/>
           </a:p>
@@ -2066,7 +2072,7 @@
           <a:p>
             <a:fld id="{6AD12739-8967-4787-B4D5-370A8EAACB4A}" type="datetimeFigureOut">
               <a:rPr lang="zh-CN" altLang="en-US" smtClean="0"/>
-              <a:t>2025/11/22</a:t>
+              <a:t>Monday 11/24</a:t>
             </a:fld>
             <a:endParaRPr lang="zh-CN" altLang="en-US"/>
           </a:p>
@@ -2377,7 +2383,7 @@
           <a:p>
             <a:fld id="{6AD12739-8967-4787-B4D5-370A8EAACB4A}" type="datetimeFigureOut">
               <a:rPr lang="zh-CN" altLang="en-US" smtClean="0"/>
-              <a:t>2025/11/22</a:t>
+              <a:t>Monday 11/24</a:t>
             </a:fld>
             <a:endParaRPr lang="zh-CN" altLang="en-US"/>
           </a:p>
@@ -2665,7 +2671,7 @@
           <a:p>
             <a:fld id="{6AD12739-8967-4787-B4D5-370A8EAACB4A}" type="datetimeFigureOut">
               <a:rPr lang="zh-CN" altLang="en-US" smtClean="0"/>
-              <a:t>2025/11/22</a:t>
+              <a:t>Monday 11/24</a:t>
             </a:fld>
             <a:endParaRPr lang="zh-CN" altLang="en-US"/>
           </a:p>
@@ -2906,7 +2912,7 @@
           <a:p>
             <a:fld id="{6AD12739-8967-4787-B4D5-370A8EAACB4A}" type="datetimeFigureOut">
               <a:rPr lang="zh-CN" altLang="en-US" smtClean="0"/>
-              <a:t>2025/11/22</a:t>
+              <a:t>Monday 11/24</a:t>
             </a:fld>
             <a:endParaRPr lang="zh-CN" altLang="en-US"/>
           </a:p>
@@ -3825,8 +3831,8 @@
           <a:chExt cx="0" cy="0"/>
         </a:xfrm>
       </p:grpSpPr>
-      <mc:AlternateContent xmlns:mc="http://schemas.openxmlformats.org/markup-compatibility/2006">
-        <mc:Choice xmlns:a14="http://schemas.microsoft.com/office/drawing/2010/main" Requires="a14">
+      <mc:AlternateContent xmlns:mc="http://schemas.openxmlformats.org/markup-compatibility/2006" xmlns:a14="http://schemas.microsoft.com/office/drawing/2010/main">
+        <mc:Choice Requires="a14">
           <p:sp>
             <p:nvSpPr>
               <p:cNvPr id="5" name="文本框 4">
@@ -3882,24 +3888,32 @@
                       <m:dPr>
                         <m:sepChr m:val=","/>
                         <m:ctrlPr>
-                          <a:rPr lang="ar-AE" altLang="zh-CN"/>
+                          <a:rPr lang="ar-AE" altLang="zh-CN" i="1">
+                            <a:latin typeface="Cambria Math" panose="02040503050406030204" pitchFamily="18" charset="0"/>
+                          </a:rPr>
                         </m:ctrlPr>
                       </m:dPr>
                       <m:e>
                         <m:r>
-                          <a:rPr lang="zh-CN" altLang="ar-AE" i="1"/>
+                          <a:rPr lang="zh-CN" altLang="ar-AE" i="1">
+                            <a:latin typeface="Cambria Math" panose="02040503050406030204" pitchFamily="18" charset="0"/>
+                          </a:rPr>
                           <m:t>𝑆</m:t>
                         </m:r>
                       </m:e>
                       <m:e>
                         <m:r>
-                          <a:rPr lang="zh-CN" altLang="ar-AE" i="1"/>
+                          <a:rPr lang="zh-CN" altLang="ar-AE" i="1">
+                            <a:latin typeface="Cambria Math" panose="02040503050406030204" pitchFamily="18" charset="0"/>
+                          </a:rPr>
                           <m:t>𝐴</m:t>
                         </m:r>
                       </m:e>
                       <m:e>
                         <m:r>
-                          <a:rPr lang="zh-CN" altLang="ar-AE" i="1"/>
+                          <a:rPr lang="zh-CN" altLang="ar-AE" i="1">
+                            <a:latin typeface="Cambria Math" panose="02040503050406030204" pitchFamily="18" charset="0"/>
+                          </a:rPr>
                           <m:t>𝑅</m:t>
                         </m:r>
                       </m:e>
@@ -3907,18 +3921,24 @@
                         <m:sSup>
                           <m:sSupPr>
                             <m:ctrlPr>
-                              <a:rPr lang="ar-AE" altLang="zh-CN" i="1"/>
+                              <a:rPr lang="ar-AE" altLang="zh-CN" i="1">
+                                <a:latin typeface="Cambria Math" panose="02040503050406030204" pitchFamily="18" charset="0"/>
+                              </a:rPr>
                             </m:ctrlPr>
                           </m:sSupPr>
                           <m:e>
                             <m:r>
-                              <a:rPr lang="zh-CN" altLang="ar-AE" i="1"/>
+                              <a:rPr lang="zh-CN" altLang="ar-AE" i="1">
+                                <a:latin typeface="Cambria Math" panose="02040503050406030204" pitchFamily="18" charset="0"/>
+                              </a:rPr>
                               <m:t>𝑆</m:t>
                             </m:r>
                           </m:e>
                           <m:sup>
                             <m:r>
-                              <a:rPr lang="ar-AE" altLang="zh-CN"/>
+                              <a:rPr lang="ar-AE" altLang="zh-CN">
+                                <a:latin typeface="Cambria Math" panose="02040503050406030204" pitchFamily="18" charset="0"/>
+                              </a:rPr>
                               <m:t>′</m:t>
                             </m:r>
                           </m:sup>
@@ -4081,7 +4101,7 @@
             </p:txBody>
           </p:sp>
         </mc:Choice>
-        <mc:Fallback>
+        <mc:Fallback xmlns="">
           <p:sp>
             <p:nvSpPr>
               <p:cNvPr id="5" name="文本框 4">
@@ -4162,8 +4182,8 @@
           <a:chExt cx="0" cy="0"/>
         </a:xfrm>
       </p:grpSpPr>
-      <mc:AlternateContent xmlns:mc="http://schemas.openxmlformats.org/markup-compatibility/2006">
-        <mc:Choice xmlns:a14="http://schemas.microsoft.com/office/drawing/2010/main" Requires="a14">
+      <mc:AlternateContent xmlns:mc="http://schemas.openxmlformats.org/markup-compatibility/2006" xmlns:a14="http://schemas.microsoft.com/office/drawing/2010/main">
+        <mc:Choice Requires="a14">
           <p:sp>
             <p:nvSpPr>
               <p:cNvPr id="5" name="文本框 4">
@@ -4288,24 +4308,32 @@
                       <m:dPr>
                         <m:sepChr m:val=","/>
                         <m:ctrlPr>
-                          <a:rPr lang="ar-AE" altLang="zh-CN"/>
+                          <a:rPr lang="ar-AE" altLang="zh-CN" i="1">
+                            <a:latin typeface="Cambria Math" panose="02040503050406030204" pitchFamily="18" charset="0"/>
+                          </a:rPr>
                         </m:ctrlPr>
                       </m:dPr>
                       <m:e>
                         <m:r>
-                          <a:rPr lang="zh-CN" altLang="ar-AE" i="1"/>
+                          <a:rPr lang="zh-CN" altLang="ar-AE" i="1">
+                            <a:latin typeface="Cambria Math" panose="02040503050406030204" pitchFamily="18" charset="0"/>
+                          </a:rPr>
                           <m:t>𝑆</m:t>
                         </m:r>
                       </m:e>
                       <m:e>
                         <m:r>
-                          <a:rPr lang="zh-CN" altLang="ar-AE" i="1"/>
+                          <a:rPr lang="zh-CN" altLang="ar-AE" i="1">
+                            <a:latin typeface="Cambria Math" panose="02040503050406030204" pitchFamily="18" charset="0"/>
+                          </a:rPr>
                           <m:t>𝐴</m:t>
                         </m:r>
                       </m:e>
                       <m:e>
                         <m:r>
-                          <a:rPr lang="zh-CN" altLang="ar-AE" i="1"/>
+                          <a:rPr lang="zh-CN" altLang="ar-AE" i="1">
+                            <a:latin typeface="Cambria Math" panose="02040503050406030204" pitchFamily="18" charset="0"/>
+                          </a:rPr>
                           <m:t>𝑅</m:t>
                         </m:r>
                       </m:e>
@@ -4313,18 +4341,24 @@
                         <m:sSup>
                           <m:sSupPr>
                             <m:ctrlPr>
-                              <a:rPr lang="ar-AE" altLang="zh-CN" i="1"/>
+                              <a:rPr lang="ar-AE" altLang="zh-CN" i="1">
+                                <a:latin typeface="Cambria Math" panose="02040503050406030204" pitchFamily="18" charset="0"/>
+                              </a:rPr>
                             </m:ctrlPr>
                           </m:sSupPr>
                           <m:e>
                             <m:r>
-                              <a:rPr lang="zh-CN" altLang="ar-AE" i="1"/>
+                              <a:rPr lang="zh-CN" altLang="ar-AE" i="1">
+                                <a:latin typeface="Cambria Math" panose="02040503050406030204" pitchFamily="18" charset="0"/>
+                              </a:rPr>
                               <m:t>𝑆</m:t>
                             </m:r>
                           </m:e>
                           <m:sup>
                             <m:r>
-                              <a:rPr lang="ar-AE" altLang="zh-CN"/>
+                              <a:rPr lang="ar-AE" altLang="zh-CN">
+                                <a:latin typeface="Cambria Math" panose="02040503050406030204" pitchFamily="18" charset="0"/>
+                              </a:rPr>
                               <m:t>′</m:t>
                             </m:r>
                           </m:sup>
@@ -4523,7 +4557,7 @@
                       <a:rPr lang="en-US" altLang="zh-CN" b="0" i="0" smtClean="0">
                         <a:latin typeface="Cambria Math" panose="02040503050406030204" pitchFamily="18" charset="0"/>
                       </a:rPr>
-                      <m:t>*</m:t>
+                      <m:t>∗</m:t>
                     </m:r>
                   </m:oMath>
                 </a14:m>
@@ -5314,7 +5348,7 @@
                       <a:rPr lang="en-US" altLang="zh-CN" b="1" i="1" smtClean="0">
                         <a:latin typeface="Cambria Math" panose="02040503050406030204" pitchFamily="18" charset="0"/>
                       </a:rPr>
-                      <m:t>*</m:t>
+                      <m:t>∗</m:t>
                     </m:r>
                   </m:oMath>
                 </a14:m>
@@ -5330,7 +5364,7 @@
             </p:txBody>
           </p:sp>
         </mc:Choice>
-        <mc:Fallback>
+        <mc:Fallback xmlns="">
           <p:sp>
             <p:nvSpPr>
               <p:cNvPr id="5" name="文本框 4">
@@ -5379,6 +5413,230 @@
     <p:extLst>
       <p:ext uri="{BB962C8B-B14F-4D97-AF65-F5344CB8AC3E}">
         <p14:creationId xmlns:p14="http://schemas.microsoft.com/office/powerpoint/2010/main" val="133882366"/>
+      </p:ext>
+    </p:extLst>
+  </p:cSld>
+  <p:clrMapOvr>
+    <a:masterClrMapping/>
+  </p:clrMapOvr>
+</p:sld>
+</file>
+
+<file path=ppt/slides/slide4.xml><?xml version="1.0" encoding="utf-8"?>
+<p:sld xmlns:a="http://schemas.openxmlformats.org/drawingml/2006/main" xmlns:r="http://schemas.openxmlformats.org/officeDocument/2006/relationships" xmlns:p="http://schemas.openxmlformats.org/presentationml/2006/main">
+  <p:cSld>
+    <p:spTree>
+      <p:nvGrpSpPr>
+        <p:cNvPr id="1" name=""/>
+        <p:cNvGrpSpPr/>
+        <p:nvPr/>
+      </p:nvGrpSpPr>
+      <p:grpSpPr>
+        <a:xfrm>
+          <a:off x="0" y="0"/>
+          <a:ext cx="0" cy="0"/>
+          <a:chOff x="0" y="0"/>
+          <a:chExt cx="0" cy="0"/>
+        </a:xfrm>
+      </p:grpSpPr>
+      <p:sp>
+        <p:nvSpPr>
+          <p:cNvPr id="4" name="文本框 3">
+            <a:extLst>
+              <a:ext uri="{FF2B5EF4-FFF2-40B4-BE49-F238E27FC236}">
+                <a16:creationId xmlns:a16="http://schemas.microsoft.com/office/drawing/2014/main" id="{CEEB6617-B885-22AD-1D45-17CDA6130BA7}"/>
+              </a:ext>
+            </a:extLst>
+          </p:cNvPr>
+          <p:cNvSpPr txBox="1"/>
+          <p:nvPr/>
+        </p:nvSpPr>
+        <p:spPr>
+          <a:xfrm>
+            <a:off x="688369" y="852755"/>
+            <a:ext cx="10500188" cy="1477328"/>
+          </a:xfrm>
+          <a:prstGeom prst="rect">
+            <a:avLst/>
+          </a:prstGeom>
+          <a:noFill/>
+        </p:spPr>
+        <p:txBody>
+          <a:bodyPr wrap="square" rtlCol="0">
+            <a:spAutoFit/>
+          </a:bodyPr>
+          <a:lstStyle/>
+          <a:p>
+            <a:r>
+              <a:rPr lang="en-US" altLang="zh-CN" dirty="0"/>
+              <a:t>for t in range(</a:t>
+            </a:r>
+            <a:r>
+              <a:rPr lang="en-US" altLang="zh-CN" dirty="0" err="1"/>
+              <a:t>total_timesteps</a:t>
+            </a:r>
+            <a:r>
+              <a:rPr lang="en-US" altLang="zh-CN" dirty="0"/>
+              <a:t>):    </a:t>
+            </a:r>
+          </a:p>
+          <a:p>
+            <a:r>
+              <a:rPr lang="en-US" altLang="zh-CN" dirty="0"/>
+              <a:t>	s, a, r, s_, done = </a:t>
+            </a:r>
+            <a:r>
+              <a:rPr lang="en-US" altLang="zh-CN" dirty="0" err="1"/>
+              <a:t>env.step</a:t>
+            </a:r>
+            <a:r>
+              <a:rPr lang="en-US" altLang="zh-CN" dirty="0"/>
+              <a:t>(actor(</a:t>
+            </a:r>
+            <a:r>
+              <a:rPr lang="en-US" altLang="zh-CN" dirty="0" err="1"/>
+              <a:t>s_current</a:t>
+            </a:r>
+            <a:r>
+              <a:rPr lang="en-US" altLang="zh-CN" dirty="0"/>
+              <a:t>)) # 1. </a:t>
+            </a:r>
+            <a:r>
+              <a:rPr lang="zh-CN" altLang="en-US" dirty="0"/>
+              <a:t>用当前策略采样 </a:t>
+            </a:r>
+            <a:r>
+              <a:rPr lang="en-US" altLang="zh-CN" dirty="0"/>
+              <a:t>1 </a:t>
+            </a:r>
+            <a:r>
+              <a:rPr lang="zh-CN" altLang="en-US" dirty="0"/>
+              <a:t>步（得到 </a:t>
+            </a:r>
+            <a:r>
+              <a:rPr lang="en-US" altLang="zh-CN" dirty="0"/>
+              <a:t>1 </a:t>
+            </a:r>
+            <a:r>
+              <a:rPr lang="zh-CN" altLang="en-US" dirty="0"/>
+              <a:t>个 </a:t>
+            </a:r>
+            <a:r>
+              <a:rPr lang="en-US" altLang="zh-CN" dirty="0"/>
+              <a:t>transition</a:t>
+            </a:r>
+            <a:r>
+              <a:rPr lang="zh-CN" altLang="en-US" dirty="0"/>
+              <a:t>）</a:t>
+            </a:r>
+            <a:endParaRPr lang="en-US" altLang="zh-CN" dirty="0"/>
+          </a:p>
+          <a:p>
+            <a:r>
+              <a:rPr lang="en-US" altLang="zh-CN" dirty="0"/>
+              <a:t>	</a:t>
+            </a:r>
+            <a:r>
+              <a:rPr lang="en-US" altLang="zh-CN" dirty="0" err="1"/>
+              <a:t>buffer.add</a:t>
+            </a:r>
+            <a:r>
+              <a:rPr lang="en-US" altLang="zh-CN" dirty="0"/>
+              <a:t>(s, a, r, s_, done)</a:t>
+            </a:r>
+            <a:r>
+              <a:rPr lang="zh-CN" altLang="en-US" dirty="0"/>
+              <a:t> </a:t>
+            </a:r>
+            <a:r>
+              <a:rPr lang="en-US" altLang="zh-CN" dirty="0"/>
+              <a:t># 2. </a:t>
+            </a:r>
+            <a:r>
+              <a:rPr lang="zh-CN" altLang="en-US" dirty="0"/>
+              <a:t>立即写入 </a:t>
+            </a:r>
+            <a:r>
+              <a:rPr lang="en-US" altLang="zh-CN" dirty="0"/>
+              <a:t>Buffer</a:t>
+            </a:r>
+            <a:r>
+              <a:rPr lang="zh-CN" altLang="en-US" dirty="0"/>
+              <a:t>（覆盖老样本）</a:t>
+            </a:r>
+            <a:endParaRPr lang="en-US" altLang="zh-CN" dirty="0"/>
+          </a:p>
+          <a:p>
+            <a:r>
+              <a:rPr lang="en-US" altLang="zh-CN" dirty="0"/>
+              <a:t>	batch = </a:t>
+            </a:r>
+            <a:r>
+              <a:rPr lang="en-US" altLang="zh-CN" dirty="0" err="1"/>
+              <a:t>buffer.sample</a:t>
+            </a:r>
+            <a:r>
+              <a:rPr lang="en-US" altLang="zh-CN" dirty="0"/>
+              <a:t>() # 3. </a:t>
+            </a:r>
+            <a:r>
+              <a:rPr lang="zh-CN" altLang="en-US" dirty="0"/>
+              <a:t>从 </a:t>
+            </a:r>
+            <a:r>
+              <a:rPr lang="en-US" altLang="zh-CN" dirty="0"/>
+              <a:t>Buffer </a:t>
+            </a:r>
+            <a:r>
+              <a:rPr lang="zh-CN" altLang="en-US" dirty="0"/>
+              <a:t>随机抽一批（</a:t>
+            </a:r>
+            <a:r>
+              <a:rPr lang="en-US" altLang="zh-CN" dirty="0" err="1"/>
+              <a:t>batch_size</a:t>
+            </a:r>
+            <a:r>
+              <a:rPr lang="en-US" altLang="zh-CN" dirty="0"/>
+              <a:t>=256</a:t>
+            </a:r>
+            <a:r>
+              <a:rPr lang="zh-CN" altLang="en-US" dirty="0"/>
+              <a:t>） </a:t>
+            </a:r>
+            <a:endParaRPr lang="en-US" altLang="zh-CN" dirty="0"/>
+          </a:p>
+          <a:p>
+            <a:r>
+              <a:rPr lang="en-US" altLang="zh-CN" dirty="0"/>
+              <a:t>               </a:t>
+            </a:r>
+            <a:r>
+              <a:rPr lang="en-US" altLang="zh-CN" dirty="0" err="1"/>
+              <a:t>update_networks</a:t>
+            </a:r>
+            <a:r>
+              <a:rPr lang="en-US" altLang="zh-CN" dirty="0"/>
+              <a:t>(batch) # 4. </a:t>
+            </a:r>
+            <a:r>
+              <a:rPr lang="zh-CN" altLang="en-US" dirty="0"/>
+              <a:t>用这批训练网络（更新 </a:t>
+            </a:r>
+            <a:r>
+              <a:rPr lang="en-US" altLang="zh-CN" dirty="0"/>
+              <a:t>Actor/Critic </a:t>
+            </a:r>
+            <a:r>
+              <a:rPr lang="zh-CN" altLang="en-US" dirty="0"/>
+              <a:t>参数） </a:t>
+            </a:r>
+          </a:p>
+        </p:txBody>
+      </p:sp>
+    </p:spTree>
+    <p:extLst>
+      <p:ext uri="{BB962C8B-B14F-4D97-AF65-F5344CB8AC3E}">
+        <p14:creationId xmlns:p14="http://schemas.microsoft.com/office/powerpoint/2010/main" val="3125493905"/>
       </p:ext>
     </p:extLst>
   </p:cSld>
